--- a/source/Chapter6_ex16_18_song.pptx
+++ b/source/Chapter6_ex16_18_song.pptx
@@ -197,7 +197,7 @@
           <a:p>
             <a:fld id="{1D8BD707-D9CF-40AE-B4C6-C98DA3205C09}" type="datetimeFigureOut">
               <a:rPr lang="en-US"/>
-              <a:t>8/1/2025</a:t>
+              <a:t>8/2/25</a:t>
             </a:fld>
             <a:endParaRPr lang="en-US"/>
           </a:p>
@@ -374,7 +374,7 @@
           <a:p>
             <a:fld id="{1D8BD707-D9CF-40AE-B4C6-C98DA3205C09}" type="datetimeFigureOut">
               <a:rPr lang="en-US"/>
-              <a:t>8/1/2025</a:t>
+              <a:t>8/2/25</a:t>
             </a:fld>
             <a:endParaRPr lang="en-US"/>
           </a:p>
@@ -652,7 +652,7 @@
           <a:p>
             <a:fld id="{1D8BD707-D9CF-40AE-B4C6-C98DA3205C09}" type="datetimeFigureOut">
               <a:rPr lang="en-US"/>
-              <a:t>8/1/2025</a:t>
+              <a:t>8/2/25</a:t>
             </a:fld>
             <a:endParaRPr lang="en-US"/>
           </a:p>
@@ -800,7 +800,7 @@
           <a:p>
             <a:fld id="{1D8BD707-D9CF-40AE-B4C6-C98DA3205C09}" type="datetimeFigureOut">
               <a:rPr lang="en-US"/>
-              <a:t>8/1/2025</a:t>
+              <a:t>8/2/25</a:t>
             </a:fld>
             <a:endParaRPr lang="en-US"/>
           </a:p>
@@ -919,7 +919,7 @@
           <a:p>
             <a:fld id="{1D8BD707-D9CF-40AE-B4C6-C98DA3205C09}" type="datetimeFigureOut">
               <a:rPr lang="en-US"/>
-              <a:t>8/1/2025</a:t>
+              <a:t>8/2/25</a:t>
             </a:fld>
             <a:endParaRPr lang="en-US"/>
           </a:p>
@@ -1144,7 +1144,7 @@
           <a:p>
             <a:fld id="{1D8BD707-D9CF-40AE-B4C6-C98DA3205C09}" type="datetimeFigureOut">
               <a:rPr lang="en-US"/>
-              <a:t>8/1/2025</a:t>
+              <a:t>8/2/25</a:t>
             </a:fld>
             <a:endParaRPr lang="en-US"/>
           </a:p>
@@ -6606,8 +6606,8 @@
         </p:blipFill>
         <p:spPr>
           <a:xfrm>
-            <a:off x="7670753" y="1086694"/>
-            <a:ext cx="3978524" cy="4257294"/>
+            <a:off x="7669462" y="1033524"/>
+            <a:ext cx="4095577" cy="4382549"/>
           </a:xfrm>
           <a:prstGeom prst="rect">
             <a:avLst/>
@@ -15143,7 +15143,7 @@
                         </a:rPr>
                         <a:t>ARIMA</a:t>
                       </a:r>
-                      <a:endParaRPr sz="1000">
+                      <a:endParaRPr sz="1000" dirty="0">
                         <a:latin typeface="Liberation Sans"/>
                         <a:cs typeface="Liberation Sans"/>
                       </a:endParaRPr>
@@ -15242,7 +15242,7 @@
                         </a:rPr>
                         <a:t>모델</a:t>
                       </a:r>
-                      <a:endParaRPr sz="1000">
+                      <a:endParaRPr sz="1000" dirty="0">
                         <a:latin typeface="Dotum"/>
                         <a:cs typeface="Dotum"/>
                       </a:endParaRPr>
@@ -15361,7 +15361,7 @@
                         </a:rPr>
                         <a:t>우수</a:t>
                       </a:r>
-                      <a:endParaRPr sz="1000">
+                      <a:endParaRPr sz="1000" dirty="0">
                         <a:latin typeface="Dotum"/>
                         <a:cs typeface="Dotum"/>
                       </a:endParaRPr>
@@ -15460,7 +15460,7 @@
                         </a:rPr>
                         <a:t>필요</a:t>
                       </a:r>
-                      <a:endParaRPr sz="1000">
+                      <a:endParaRPr sz="1000" dirty="0">
                         <a:latin typeface="Dotum"/>
                         <a:cs typeface="Dotum"/>
                       </a:endParaRPr>
@@ -15526,7 +15526,7 @@
                         </a:rPr>
                         <a:t>Prophet</a:t>
                       </a:r>
-                      <a:endParaRPr sz="1000">
+                      <a:endParaRPr sz="1000" dirty="0">
                         <a:latin typeface="Liberation Sans"/>
                         <a:cs typeface="Liberation Sans"/>
                       </a:endParaRPr>
@@ -15605,7 +15605,7 @@
                         </a:rPr>
                         <a:t>개발</a:t>
                       </a:r>
-                      <a:endParaRPr sz="1000">
+                      <a:endParaRPr sz="1000" dirty="0">
                         <a:latin typeface="Dotum"/>
                         <a:cs typeface="Dotum"/>
                       </a:endParaRPr>
@@ -15704,7 +15704,7 @@
                         </a:rPr>
                         <a:t>처리</a:t>
                       </a:r>
-                      <a:endParaRPr sz="1000">
+                      <a:endParaRPr sz="1000" dirty="0">
                         <a:latin typeface="Dotum"/>
                         <a:cs typeface="Dotum"/>
                       </a:endParaRPr>
@@ -15803,7 +15803,7 @@
                         </a:rPr>
                         <a:t>한계</a:t>
                       </a:r>
-                      <a:endParaRPr sz="1000">
+                      <a:endParaRPr sz="1000" dirty="0">
                         <a:latin typeface="Dotum"/>
                         <a:cs typeface="Dotum"/>
                       </a:endParaRPr>
@@ -15859,7 +15859,7 @@
                           <a:spcPts val="254"/>
                         </a:spcBef>
                       </a:pPr>
-                      <a:endParaRPr sz="1000">
+                      <a:endParaRPr sz="1000" dirty="0">
                         <a:latin typeface="Times New Roman"/>
                         <a:cs typeface="Times New Roman"/>
                       </a:endParaRPr>
@@ -15880,7 +15880,7 @@
                         </a:rPr>
                         <a:t>LSTM</a:t>
                       </a:r>
-                      <a:endParaRPr sz="1000">
+                      <a:endParaRPr sz="1000" dirty="0">
                         <a:latin typeface="Liberation Sans"/>
                         <a:cs typeface="Liberation Sans"/>
                       </a:endParaRPr>
@@ -15929,7 +15929,7 @@
                           <a:spcPts val="155"/>
                         </a:spcBef>
                       </a:pPr>
-                      <a:endParaRPr sz="1000">
+                      <a:endParaRPr sz="1000" dirty="0">
                         <a:latin typeface="Times New Roman"/>
                         <a:cs typeface="Times New Roman"/>
                       </a:endParaRPr>
@@ -15970,7 +15970,7 @@
                         </a:rPr>
                         <a:t>신경망</a:t>
                       </a:r>
-                      <a:endParaRPr sz="1000">
+                      <a:endParaRPr sz="1000" dirty="0">
                         <a:latin typeface="Dotum"/>
                         <a:cs typeface="Dotum"/>
                       </a:endParaRPr>
@@ -16019,7 +16019,7 @@
                           <a:spcPts val="155"/>
                         </a:spcBef>
                       </a:pPr>
-                      <a:endParaRPr sz="1000">
+                      <a:endParaRPr sz="1000" dirty="0">
                         <a:latin typeface="Times New Roman"/>
                         <a:cs typeface="Times New Roman"/>
                       </a:endParaRPr>
@@ -16080,7 +16080,7 @@
                         </a:rPr>
                         <a:t>포착</a:t>
                       </a:r>
-                      <a:endParaRPr sz="1000">
+                      <a:endParaRPr sz="1000" dirty="0">
                         <a:latin typeface="Dotum"/>
                         <a:cs typeface="Dotum"/>
                       </a:endParaRPr>
@@ -16295,7 +16295,7 @@
                           <a:spcPts val="254"/>
                         </a:spcBef>
                       </a:pPr>
-                      <a:endParaRPr sz="1000">
+                      <a:endParaRPr sz="1000" dirty="0">
                         <a:latin typeface="Times New Roman"/>
                         <a:cs typeface="Times New Roman"/>
                       </a:endParaRPr>
@@ -16316,7 +16316,7 @@
                         </a:rPr>
                         <a:t>SVM</a:t>
                       </a:r>
-                      <a:endParaRPr sz="1000">
+                      <a:endParaRPr sz="1000" dirty="0">
                         <a:latin typeface="Liberation Sans"/>
                         <a:cs typeface="Liberation Sans"/>
                       </a:endParaRPr>
@@ -16365,7 +16365,7 @@
                           <a:spcPts val="155"/>
                         </a:spcBef>
                       </a:pPr>
-                      <a:endParaRPr sz="1000">
+                      <a:endParaRPr sz="1000" dirty="0">
                         <a:latin typeface="Times New Roman"/>
                         <a:cs typeface="Times New Roman"/>
                       </a:endParaRPr>
@@ -16406,7 +16406,7 @@
                         </a:rPr>
                         <a:t>모델</a:t>
                       </a:r>
-                      <a:endParaRPr sz="1000">
+                      <a:endParaRPr sz="1000" dirty="0">
                         <a:latin typeface="Dotum"/>
                         <a:cs typeface="Dotum"/>
                       </a:endParaRPr>
@@ -16455,7 +16455,7 @@
                           <a:spcPts val="155"/>
                         </a:spcBef>
                       </a:pPr>
-                      <a:endParaRPr sz="1000">
+                      <a:endParaRPr sz="1000" dirty="0">
                         <a:latin typeface="Times New Roman"/>
                         <a:cs typeface="Times New Roman"/>
                       </a:endParaRPr>
@@ -16516,7 +16516,7 @@
                         </a:rPr>
                         <a:t>처리</a:t>
                       </a:r>
-                      <a:endParaRPr sz="1000">
+                      <a:endParaRPr sz="1000" dirty="0">
                         <a:latin typeface="Dotum"/>
                         <a:cs typeface="Dotum"/>
                       </a:endParaRPr>
@@ -16645,7 +16645,7 @@
                         </a:rPr>
                         <a:t> 려움</a:t>
                       </a:r>
-                      <a:endParaRPr sz="1000">
+                      <a:endParaRPr sz="1000" dirty="0">
                         <a:latin typeface="Dotum"/>
                         <a:cs typeface="Dotum"/>
                       </a:endParaRPr>
@@ -16701,7 +16701,7 @@
                           <a:spcPts val="254"/>
                         </a:spcBef>
                       </a:pPr>
-                      <a:endParaRPr sz="1000">
+                      <a:endParaRPr sz="1000" dirty="0">
                         <a:latin typeface="Times New Roman"/>
                         <a:cs typeface="Times New Roman"/>
                       </a:endParaRPr>
@@ -16722,7 +16722,7 @@
                         </a:rPr>
                         <a:t>XGBoost</a:t>
                       </a:r>
-                      <a:endParaRPr sz="1000">
+                      <a:endParaRPr sz="1000" dirty="0">
                         <a:latin typeface="Liberation Sans"/>
                         <a:cs typeface="Liberation Sans"/>
                       </a:endParaRPr>
@@ -16811,7 +16811,7 @@
                         </a:rPr>
                         <a:t> 팅</a:t>
                       </a:r>
-                      <a:endParaRPr sz="1000">
+                      <a:endParaRPr sz="1000" dirty="0">
                         <a:latin typeface="Dotum"/>
                         <a:cs typeface="Dotum"/>
                       </a:endParaRPr>
@@ -16940,7 +16940,7 @@
                         </a:rPr>
                         <a:t> 수</a:t>
                       </a:r>
-                      <a:endParaRPr sz="1000">
+                      <a:endParaRPr sz="1000" dirty="0">
                         <a:latin typeface="Dotum"/>
                         <a:cs typeface="Dotum"/>
                       </a:endParaRPr>
@@ -16989,7 +16989,7 @@
                           <a:spcPts val="155"/>
                         </a:spcBef>
                       </a:pPr>
-                      <a:endParaRPr sz="1000">
+                      <a:endParaRPr sz="1000" dirty="0">
                         <a:latin typeface="Times New Roman"/>
                         <a:cs typeface="Times New Roman"/>
                       </a:endParaRPr>
@@ -17050,7 +17050,7 @@
                         </a:rPr>
                         <a:t>부족</a:t>
                       </a:r>
-                      <a:endParaRPr sz="1000">
+                      <a:endParaRPr sz="1000" dirty="0">
                         <a:latin typeface="Dotum"/>
                         <a:cs typeface="Dotum"/>
                       </a:endParaRPr>
@@ -17116,7 +17116,7 @@
                         </a:rPr>
                         <a:t>Amazon Chronos</a:t>
                       </a:r>
-                      <a:endParaRPr sz="1000">
+                      <a:endParaRPr sz="1000" dirty="0">
                         <a:latin typeface="Liberation Sans"/>
                         <a:cs typeface="Liberation Sans"/>
                       </a:endParaRPr>
@@ -17225,7 +17225,7 @@
                         </a:rPr>
                         <a:t> 델</a:t>
                       </a:r>
-                      <a:endParaRPr sz="1000">
+                      <a:endParaRPr sz="1000" dirty="0">
                         <a:latin typeface="Dotum"/>
                         <a:cs typeface="Dotum"/>
                       </a:endParaRPr>
@@ -17354,7 +17354,7 @@
                         </a:rPr>
                         <a:t>GPU</a:t>
                       </a:r>
-                      <a:endParaRPr sz="1000">
+                      <a:endParaRPr sz="1000" dirty="0">
                         <a:latin typeface="Liberation Sans"/>
                         <a:cs typeface="Liberation Sans"/>
                       </a:endParaRPr>
@@ -17378,7 +17378,7 @@
                         </a:rPr>
                         <a:t>확장성</a:t>
                       </a:r>
-                      <a:endParaRPr sz="1000">
+                      <a:endParaRPr sz="1000" dirty="0">
                         <a:latin typeface="Dotum"/>
                         <a:cs typeface="Dotum"/>
                       </a:endParaRPr>
@@ -22481,8 +22481,8 @@
         </p:blipFill>
         <p:spPr>
           <a:xfrm>
-            <a:off x="7924800" y="1080762"/>
-            <a:ext cx="3441442" cy="3261843"/>
+            <a:off x="7891375" y="1060996"/>
+            <a:ext cx="3792862" cy="3594923"/>
           </a:xfrm>
           <a:prstGeom prst="rect">
             <a:avLst/>
@@ -27746,7 +27746,7 @@
               </a:rPr>
               <a:t>활용</a:t>
             </a:r>
-            <a:endParaRPr sz="1350">
+            <a:endParaRPr sz="1350" dirty="0">
               <a:latin typeface="Dotum"/>
               <a:cs typeface="Dotum"/>
             </a:endParaRPr>
@@ -27970,7 +27970,7 @@
               </a:rPr>
               <a:t>설계</a:t>
             </a:r>
-            <a:endParaRPr sz="1150">
+            <a:endParaRPr sz="1150" dirty="0">
               <a:latin typeface="Dotum"/>
               <a:cs typeface="Dotum"/>
             </a:endParaRPr>
@@ -28074,7 +28074,7 @@
               </a:rPr>
               <a:t>확보</a:t>
             </a:r>
-            <a:endParaRPr sz="1150">
+            <a:endParaRPr sz="1150" dirty="0">
               <a:latin typeface="Dotum"/>
               <a:cs typeface="Dotum"/>
             </a:endParaRPr>
@@ -39063,10 +39063,10 @@
       </p:sp>
       <p:pic>
         <p:nvPicPr>
-          <p:cNvPr id="44" name="그림 43">
+          <p:cNvPr id="6" name="그림 5" descr="텍스트, 스크린샷, 그래프, 도표이(가) 표시된 사진&#10;&#10;AI 생성 콘텐츠는 정확하지 않을 수 있습니다.">
             <a:extLst>
               <a:ext uri="{FF2B5EF4-FFF2-40B4-BE49-F238E27FC236}">
-                <a16:creationId xmlns:a16="http://schemas.microsoft.com/office/drawing/2014/main" id="{737CF3CF-D0ED-7488-3DFC-7CA137DAD422}"/>
+                <a16:creationId xmlns:a16="http://schemas.microsoft.com/office/drawing/2014/main" id="{BAB685EE-0DEE-A25D-19D4-6806EEED51ED}"/>
               </a:ext>
             </a:extLst>
           </p:cNvPr>
@@ -39076,15 +39076,21 @@
           <p:nvPr/>
         </p:nvPicPr>
         <p:blipFill>
-          <a:blip r:embed="rId2"/>
+          <a:blip r:embed="rId2">
+            <a:extLst>
+              <a:ext uri="{28A0092B-C50C-407E-A947-70E740481C1C}">
+                <a14:useLocalDpi xmlns:a14="http://schemas.microsoft.com/office/drawing/2010/main" val="0"/>
+              </a:ext>
+            </a:extLst>
+          </a:blip>
           <a:stretch>
             <a:fillRect/>
           </a:stretch>
         </p:blipFill>
         <p:spPr>
           <a:xfrm>
-            <a:off x="596899" y="989806"/>
-            <a:ext cx="6882066" cy="3429448"/>
+            <a:off x="445261" y="127524"/>
+            <a:ext cx="9404604" cy="6601364"/>
           </a:xfrm>
           <a:prstGeom prst="rect">
             <a:avLst/>
@@ -39093,10 +39099,10 @@
       </p:pic>
       <p:pic>
         <p:nvPicPr>
-          <p:cNvPr id="46" name="그림 45">
+          <p:cNvPr id="8" name="그림 7" descr="텍스트, 메뉴, 스크린샷, 문서이(가) 표시된 사진&#10;&#10;AI 생성 콘텐츠는 정확하지 않을 수 있습니다.">
             <a:extLst>
               <a:ext uri="{FF2B5EF4-FFF2-40B4-BE49-F238E27FC236}">
-                <a16:creationId xmlns:a16="http://schemas.microsoft.com/office/drawing/2014/main" id="{A7A305CE-9FAC-47ED-D3FD-6D3FAC173544}"/>
+                <a16:creationId xmlns:a16="http://schemas.microsoft.com/office/drawing/2014/main" id="{55F165CE-3C99-6B12-4370-AAF3A2E3D9B2}"/>
               </a:ext>
             </a:extLst>
           </p:cNvPr>
@@ -39106,105 +39112,21 @@
           <p:nvPr/>
         </p:nvPicPr>
         <p:blipFill>
-          <a:blip r:embed="rId3"/>
+          <a:blip r:embed="rId3">
+            <a:extLst>
+              <a:ext uri="{28A0092B-C50C-407E-A947-70E740481C1C}">
+                <a14:useLocalDpi xmlns:a14="http://schemas.microsoft.com/office/drawing/2010/main" val="0"/>
+              </a:ext>
+            </a:extLst>
+          </a:blip>
           <a:stretch>
             <a:fillRect/>
           </a:stretch>
         </p:blipFill>
         <p:spPr>
           <a:xfrm>
-            <a:off x="609599" y="4544339"/>
-            <a:ext cx="6256424" cy="1614818"/>
-          </a:xfrm>
-          <a:prstGeom prst="rect">
-            <a:avLst/>
-          </a:prstGeom>
-        </p:spPr>
-      </p:pic>
-      <p:pic>
-        <p:nvPicPr>
-          <p:cNvPr id="48" name="그림 47">
-            <a:extLst>
-              <a:ext uri="{FF2B5EF4-FFF2-40B4-BE49-F238E27FC236}">
-                <a16:creationId xmlns:a16="http://schemas.microsoft.com/office/drawing/2014/main" id="{9A83ACC0-40A8-0DAC-918B-8D493E88973C}"/>
-              </a:ext>
-            </a:extLst>
-          </p:cNvPr>
-          <p:cNvPicPr>
-            <a:picLocks noChangeAspect="1"/>
-          </p:cNvPicPr>
-          <p:nvPr/>
-        </p:nvPicPr>
-        <p:blipFill>
-          <a:blip r:embed="rId4"/>
-          <a:stretch>
-            <a:fillRect/>
-          </a:stretch>
-        </p:blipFill>
-        <p:spPr>
-          <a:xfrm>
-            <a:off x="7779860" y="1033461"/>
-            <a:ext cx="2622021" cy="1813195"/>
-          </a:xfrm>
-          <a:prstGeom prst="rect">
-            <a:avLst/>
-          </a:prstGeom>
-        </p:spPr>
-      </p:pic>
-      <p:pic>
-        <p:nvPicPr>
-          <p:cNvPr id="50" name="그림 49">
-            <a:extLst>
-              <a:ext uri="{FF2B5EF4-FFF2-40B4-BE49-F238E27FC236}">
-                <a16:creationId xmlns:a16="http://schemas.microsoft.com/office/drawing/2014/main" id="{FC4BACBB-BABE-5DD3-0B72-4AD13CDB58D9}"/>
-              </a:ext>
-            </a:extLst>
-          </p:cNvPr>
-          <p:cNvPicPr>
-            <a:picLocks noChangeAspect="1"/>
-          </p:cNvPicPr>
-          <p:nvPr/>
-        </p:nvPicPr>
-        <p:blipFill>
-          <a:blip r:embed="rId5"/>
-          <a:stretch>
-            <a:fillRect/>
-          </a:stretch>
-        </p:blipFill>
-        <p:spPr>
-          <a:xfrm>
-            <a:off x="7769086" y="2846656"/>
-            <a:ext cx="2916214" cy="1417705"/>
-          </a:xfrm>
-          <a:prstGeom prst="rect">
-            <a:avLst/>
-          </a:prstGeom>
-        </p:spPr>
-      </p:pic>
-      <p:pic>
-        <p:nvPicPr>
-          <p:cNvPr id="52" name="그림 51">
-            <a:extLst>
-              <a:ext uri="{FF2B5EF4-FFF2-40B4-BE49-F238E27FC236}">
-                <a16:creationId xmlns:a16="http://schemas.microsoft.com/office/drawing/2014/main" id="{4408B80A-D8AE-637C-80A3-11212B435FAA}"/>
-              </a:ext>
-            </a:extLst>
-          </p:cNvPr>
-          <p:cNvPicPr>
-            <a:picLocks noChangeAspect="1"/>
-          </p:cNvPicPr>
-          <p:nvPr/>
-        </p:nvPicPr>
-        <p:blipFill>
-          <a:blip r:embed="rId6"/>
-          <a:stretch>
-            <a:fillRect/>
-          </a:stretch>
-        </p:blipFill>
-        <p:spPr>
-          <a:xfrm>
-            <a:off x="7642400" y="4461421"/>
-            <a:ext cx="3051987" cy="1614818"/>
+            <a:off x="8839200" y="3747706"/>
+            <a:ext cx="3124108" cy="2877377"/>
           </a:xfrm>
           <a:prstGeom prst="rect">
             <a:avLst/>
@@ -40423,7 +40345,7 @@
               </a:rPr>
               <a:t>.</a:t>
             </a:r>
-            <a:endParaRPr sz="1200">
+            <a:endParaRPr sz="1200" dirty="0">
               <a:latin typeface="Liberation Sans"/>
               <a:cs typeface="Liberation Sans"/>
             </a:endParaRPr>
@@ -41459,7 +41381,7 @@
               </a:rPr>
               <a:t>(0~1)</a:t>
             </a:r>
-            <a:endParaRPr sz="1200">
+            <a:endParaRPr sz="1200" dirty="0">
               <a:latin typeface="Liberation Sans"/>
               <a:cs typeface="Liberation Sans"/>
             </a:endParaRPr>
@@ -41513,7 +41435,7 @@
               </a:rPr>
               <a:t>없음</a:t>
             </a:r>
-            <a:endParaRPr sz="1350">
+            <a:endParaRPr sz="1350" dirty="0">
               <a:latin typeface="Dotum"/>
               <a:cs typeface="Dotum"/>
             </a:endParaRPr>
@@ -41617,7 +41539,7 @@
               </a:rPr>
               <a:t>존재</a:t>
             </a:r>
-            <a:endParaRPr sz="1350">
+            <a:endParaRPr sz="1350" dirty="0">
               <a:latin typeface="Dotum"/>
               <a:cs typeface="Dotum"/>
             </a:endParaRPr>
@@ -41701,7 +41623,7 @@
               </a:rPr>
               <a:t>CNN</a:t>
             </a:r>
-            <a:endParaRPr sz="1200">
+            <a:endParaRPr sz="1200" dirty="0">
               <a:latin typeface="Liberation Sans"/>
               <a:cs typeface="Liberation Sans"/>
             </a:endParaRPr>
@@ -44732,8 +44654,8 @@
         </p:blipFill>
         <p:spPr>
           <a:xfrm>
-            <a:off x="9700576" y="1825647"/>
-            <a:ext cx="1875871" cy="1153867"/>
+            <a:off x="9636228" y="1827283"/>
+            <a:ext cx="1645710" cy="1012293"/>
           </a:xfrm>
           <a:prstGeom prst="rect">
             <a:avLst/>
@@ -61264,10 +61186,10 @@
       </p:sp>
       <p:pic>
         <p:nvPicPr>
-          <p:cNvPr id="2" name="그림 1">
+          <p:cNvPr id="13" name="그림 12">
             <a:extLst>
               <a:ext uri="{FF2B5EF4-FFF2-40B4-BE49-F238E27FC236}">
-                <a16:creationId xmlns:a16="http://schemas.microsoft.com/office/drawing/2014/main" id="{DB10E18B-1476-D97B-0363-E47D317D7344}"/>
+                <a16:creationId xmlns:a16="http://schemas.microsoft.com/office/drawing/2014/main" id="{2BB22D29-9106-2DDD-2335-FF91A6AD7CE2}"/>
               </a:ext>
             </a:extLst>
           </p:cNvPr>
@@ -61284,8 +61206,8 @@
         </p:blipFill>
         <p:spPr>
           <a:xfrm>
-            <a:off x="4321302" y="1728161"/>
-            <a:ext cx="1409369" cy="866917"/>
+            <a:off x="708189" y="3608090"/>
+            <a:ext cx="4787511" cy="1575635"/>
           </a:xfrm>
           <a:prstGeom prst="rect">
             <a:avLst/>
@@ -61294,10 +61216,10 @@
       </p:pic>
       <p:pic>
         <p:nvPicPr>
-          <p:cNvPr id="13" name="그림 12">
+          <p:cNvPr id="25" name="그림 24" descr="도표, 라인, 그래프, 텍스트이(가) 표시된 사진&#10;&#10;AI 생성 콘텐츠는 정확하지 않을 수 있습니다.">
             <a:extLst>
               <a:ext uri="{FF2B5EF4-FFF2-40B4-BE49-F238E27FC236}">
-                <a16:creationId xmlns:a16="http://schemas.microsoft.com/office/drawing/2014/main" id="{2BB22D29-9106-2DDD-2335-FF91A6AD7CE2}"/>
+                <a16:creationId xmlns:a16="http://schemas.microsoft.com/office/drawing/2014/main" id="{8D906F9F-4A28-8D47-8F57-B82D7EF62E8F}"/>
               </a:ext>
             </a:extLst>
           </p:cNvPr>
@@ -61307,15 +61229,21 @@
           <p:nvPr/>
         </p:nvPicPr>
         <p:blipFill>
-          <a:blip r:embed="rId7"/>
+          <a:blip r:embed="rId7">
+            <a:extLst>
+              <a:ext uri="{28A0092B-C50C-407E-A947-70E740481C1C}">
+                <a14:useLocalDpi xmlns:a14="http://schemas.microsoft.com/office/drawing/2010/main" val="0"/>
+              </a:ext>
+            </a:extLst>
+          </a:blip>
           <a:stretch>
             <a:fillRect/>
           </a:stretch>
         </p:blipFill>
         <p:spPr>
           <a:xfrm>
-            <a:off x="708189" y="3608090"/>
-            <a:ext cx="4787511" cy="1575635"/>
+            <a:off x="4219935" y="1635944"/>
+            <a:ext cx="1510518" cy="1109610"/>
           </a:xfrm>
           <a:prstGeom prst="rect">
             <a:avLst/>
